--- a/04-CSS.pptx
+++ b/04-CSS.pptx
@@ -245,7 +245,7 @@
           <a:p>
             <a:fld id="{2E054F57-E93D-4CC3-8A27-2F256E70BB98}" type="datetimeFigureOut">
               <a:rPr lang="en-US" smtClean="0"/>
-              <a:t>21 Jul 15</a:t>
+              <a:t>23 Jul 15</a:t>
             </a:fld>
             <a:endParaRPr lang="en-US"/>
           </a:p>
@@ -694,7 +694,7 @@
           <a:p>
             <a:fld id="{3EA744D9-3FBE-48D8-BF2A-85DF203E4D20}" type="datetimeFigureOut">
               <a:rPr lang="bg-BG" smtClean="0"/>
-              <a:t>21.7.2015 г.</a:t>
+              <a:t>23.7.2015 г.</a:t>
             </a:fld>
             <a:endParaRPr lang="bg-BG"/>
           </a:p>
@@ -864,7 +864,7 @@
           <a:p>
             <a:fld id="{3EA744D9-3FBE-48D8-BF2A-85DF203E4D20}" type="datetimeFigureOut">
               <a:rPr lang="bg-BG" smtClean="0"/>
-              <a:t>21.7.2015 г.</a:t>
+              <a:t>23.7.2015 г.</a:t>
             </a:fld>
             <a:endParaRPr lang="bg-BG"/>
           </a:p>
@@ -1044,7 +1044,7 @@
           <a:p>
             <a:fld id="{3EA744D9-3FBE-48D8-BF2A-85DF203E4D20}" type="datetimeFigureOut">
               <a:rPr lang="bg-BG" smtClean="0"/>
-              <a:t>21.7.2015 г.</a:t>
+              <a:t>23.7.2015 г.</a:t>
             </a:fld>
             <a:endParaRPr lang="bg-BG"/>
           </a:p>
@@ -1214,7 +1214,7 @@
           <a:p>
             <a:fld id="{3EA744D9-3FBE-48D8-BF2A-85DF203E4D20}" type="datetimeFigureOut">
               <a:rPr lang="bg-BG" smtClean="0"/>
-              <a:t>21.7.2015 г.</a:t>
+              <a:t>23.7.2015 г.</a:t>
             </a:fld>
             <a:endParaRPr lang="bg-BG"/>
           </a:p>
@@ -1460,7 +1460,7 @@
           <a:p>
             <a:fld id="{3EA744D9-3FBE-48D8-BF2A-85DF203E4D20}" type="datetimeFigureOut">
               <a:rPr lang="bg-BG" smtClean="0"/>
-              <a:t>21.7.2015 г.</a:t>
+              <a:t>23.7.2015 г.</a:t>
             </a:fld>
             <a:endParaRPr lang="bg-BG"/>
           </a:p>
@@ -1748,7 +1748,7 @@
           <a:p>
             <a:fld id="{3EA744D9-3FBE-48D8-BF2A-85DF203E4D20}" type="datetimeFigureOut">
               <a:rPr lang="bg-BG" smtClean="0"/>
-              <a:t>21.7.2015 г.</a:t>
+              <a:t>23.7.2015 г.</a:t>
             </a:fld>
             <a:endParaRPr lang="bg-BG"/>
           </a:p>
@@ -2170,7 +2170,7 @@
           <a:p>
             <a:fld id="{3EA744D9-3FBE-48D8-BF2A-85DF203E4D20}" type="datetimeFigureOut">
               <a:rPr lang="bg-BG" smtClean="0"/>
-              <a:t>21.7.2015 г.</a:t>
+              <a:t>23.7.2015 г.</a:t>
             </a:fld>
             <a:endParaRPr lang="bg-BG"/>
           </a:p>
@@ -2288,7 +2288,7 @@
           <a:p>
             <a:fld id="{3EA744D9-3FBE-48D8-BF2A-85DF203E4D20}" type="datetimeFigureOut">
               <a:rPr lang="bg-BG" smtClean="0"/>
-              <a:t>21.7.2015 г.</a:t>
+              <a:t>23.7.2015 г.</a:t>
             </a:fld>
             <a:endParaRPr lang="bg-BG"/>
           </a:p>
@@ -2383,7 +2383,7 @@
           <a:p>
             <a:fld id="{3EA744D9-3FBE-48D8-BF2A-85DF203E4D20}" type="datetimeFigureOut">
               <a:rPr lang="bg-BG" smtClean="0"/>
-              <a:t>21.7.2015 г.</a:t>
+              <a:t>23.7.2015 г.</a:t>
             </a:fld>
             <a:endParaRPr lang="bg-BG"/>
           </a:p>
@@ -2660,7 +2660,7 @@
           <a:p>
             <a:fld id="{3EA744D9-3FBE-48D8-BF2A-85DF203E4D20}" type="datetimeFigureOut">
               <a:rPr lang="bg-BG" smtClean="0"/>
-              <a:t>21.7.2015 г.</a:t>
+              <a:t>23.7.2015 г.</a:t>
             </a:fld>
             <a:endParaRPr lang="bg-BG"/>
           </a:p>
@@ -2913,7 +2913,7 @@
           <a:p>
             <a:fld id="{3EA744D9-3FBE-48D8-BF2A-85DF203E4D20}" type="datetimeFigureOut">
               <a:rPr lang="bg-BG" smtClean="0"/>
-              <a:t>21.7.2015 г.</a:t>
+              <a:t>23.7.2015 г.</a:t>
             </a:fld>
             <a:endParaRPr lang="bg-BG"/>
           </a:p>
@@ -3135,7 +3135,7 @@
           <a:p>
             <a:fld id="{3EA744D9-3FBE-48D8-BF2A-85DF203E4D20}" type="datetimeFigureOut">
               <a:rPr lang="bg-BG" smtClean="0"/>
-              <a:t>21.7.2015 г.</a:t>
+              <a:t>23.7.2015 г.</a:t>
             </a:fld>
             <a:endParaRPr lang="bg-BG"/>
           </a:p>
@@ -4142,15 +4142,7 @@
                   <a:schemeClr val="accent6"/>
                 </a:solidFill>
               </a:rPr>
-              <a:t>CSS – </a:t>
-            </a:r>
-            <a:r>
-              <a:rPr lang="en-US" dirty="0" smtClean="0">
-                <a:solidFill>
-                  <a:schemeClr val="accent6"/>
-                </a:solidFill>
-              </a:rPr>
-              <a:t>text</a:t>
+              <a:t>CSS – text</a:t>
             </a:r>
             <a:endParaRPr lang="bg-BG" dirty="0">
               <a:solidFill>
@@ -4324,15 +4316,7 @@
                   <a:schemeClr val="accent6"/>
                 </a:solidFill>
               </a:rPr>
-              <a:t>CSS – </a:t>
-            </a:r>
-            <a:r>
-              <a:rPr lang="en-US" dirty="0" smtClean="0">
-                <a:solidFill>
-                  <a:schemeClr val="accent6"/>
-                </a:solidFill>
-              </a:rPr>
-              <a:t>fonts</a:t>
+              <a:t>CSS – fonts</a:t>
             </a:r>
             <a:endParaRPr lang="bg-BG" dirty="0">
               <a:solidFill>
@@ -4506,15 +4490,7 @@
                   <a:schemeClr val="accent6"/>
                 </a:solidFill>
               </a:rPr>
-              <a:t>CSS – </a:t>
-            </a:r>
-            <a:r>
-              <a:rPr lang="en-US" dirty="0" smtClean="0">
-                <a:solidFill>
-                  <a:schemeClr val="accent6"/>
-                </a:solidFill>
-              </a:rPr>
-              <a:t>links</a:t>
+              <a:t>CSS – links</a:t>
             </a:r>
             <a:endParaRPr lang="bg-BG" dirty="0">
               <a:solidFill>
@@ -4688,15 +4664,7 @@
                   <a:schemeClr val="accent6"/>
                 </a:solidFill>
               </a:rPr>
-              <a:t>CSS – </a:t>
-            </a:r>
-            <a:r>
-              <a:rPr lang="en-US" dirty="0" smtClean="0">
-                <a:solidFill>
-                  <a:schemeClr val="accent6"/>
-                </a:solidFill>
-              </a:rPr>
-              <a:t>lists</a:t>
+              <a:t>CSS – lists</a:t>
             </a:r>
             <a:endParaRPr lang="bg-BG" dirty="0">
               <a:solidFill>
@@ -4856,15 +4824,7 @@
                   <a:schemeClr val="accent6"/>
                 </a:solidFill>
               </a:rPr>
-              <a:t>CSS – </a:t>
-            </a:r>
-            <a:r>
-              <a:rPr lang="en-US" dirty="0" smtClean="0">
-                <a:solidFill>
-                  <a:schemeClr val="accent6"/>
-                </a:solidFill>
-              </a:rPr>
-              <a:t>tables</a:t>
+              <a:t>CSS – tables</a:t>
             </a:r>
             <a:endParaRPr lang="bg-BG" dirty="0">
               <a:solidFill>
@@ -5117,15 +5077,7 @@
                   <a:schemeClr val="accent6"/>
                 </a:solidFill>
               </a:rPr>
-              <a:t>CSS – </a:t>
-            </a:r>
-            <a:r>
-              <a:rPr lang="en-US" dirty="0" smtClean="0">
-                <a:solidFill>
-                  <a:schemeClr val="accent6"/>
-                </a:solidFill>
-              </a:rPr>
-              <a:t>box-model</a:t>
+              <a:t>CSS – box-model</a:t>
             </a:r>
             <a:endParaRPr lang="bg-BG" dirty="0">
               <a:solidFill>
@@ -5231,15 +5183,7 @@
                   <a:schemeClr val="accent6"/>
                 </a:solidFill>
               </a:rPr>
-              <a:t>CSS – </a:t>
-            </a:r>
-            <a:r>
-              <a:rPr lang="en-US" dirty="0" smtClean="0">
-                <a:solidFill>
-                  <a:schemeClr val="accent6"/>
-                </a:solidFill>
-              </a:rPr>
-              <a:t>border</a:t>
+              <a:t>CSS – border</a:t>
             </a:r>
             <a:endParaRPr lang="bg-BG" dirty="0">
               <a:solidFill>
@@ -5635,15 +5579,7 @@
                   <a:schemeClr val="accent6"/>
                 </a:solidFill>
               </a:rPr>
-              <a:t>CSS – </a:t>
-            </a:r>
-            <a:r>
-              <a:rPr lang="en-US" dirty="0" smtClean="0">
-                <a:solidFill>
-                  <a:schemeClr val="accent6"/>
-                </a:solidFill>
-              </a:rPr>
-              <a:t>margins</a:t>
+              <a:t>CSS – margins</a:t>
             </a:r>
             <a:r>
               <a:rPr lang="bg-BG" dirty="0" smtClean="0">
@@ -5943,15 +5879,7 @@
                   <a:schemeClr val="accent6"/>
                 </a:solidFill>
               </a:rPr>
-              <a:t>CSS – </a:t>
-            </a:r>
-            <a:r>
-              <a:rPr lang="en-US" dirty="0" smtClean="0">
-                <a:solidFill>
-                  <a:schemeClr val="accent6"/>
-                </a:solidFill>
-              </a:rPr>
-              <a:t>dimensions</a:t>
+              <a:t>CSS – dimensions</a:t>
             </a:r>
             <a:endParaRPr lang="bg-BG" dirty="0">
               <a:solidFill>
@@ -6177,15 +6105,7 @@
                   <a:schemeClr val="accent6"/>
                 </a:solidFill>
               </a:rPr>
-              <a:t>CSS – </a:t>
-            </a:r>
-            <a:r>
-              <a:rPr lang="en-US" dirty="0" smtClean="0">
-                <a:solidFill>
-                  <a:schemeClr val="accent6"/>
-                </a:solidFill>
-              </a:rPr>
-              <a:t>display</a:t>
+              <a:t>CSS – display</a:t>
             </a:r>
             <a:endParaRPr lang="bg-BG" dirty="0">
               <a:solidFill>
@@ -6449,15 +6369,7 @@
                   <a:schemeClr val="accent6"/>
                 </a:solidFill>
               </a:rPr>
-              <a:t>CSS – </a:t>
-            </a:r>
-            <a:r>
-              <a:rPr lang="en-US" dirty="0" smtClean="0">
-                <a:solidFill>
-                  <a:schemeClr val="accent6"/>
-                </a:solidFill>
-              </a:rPr>
-              <a:t>position</a:t>
+              <a:t>CSS – position</a:t>
             </a:r>
             <a:endParaRPr lang="bg-BG" dirty="0">
               <a:solidFill>
@@ -6636,15 +6548,7 @@
                   <a:schemeClr val="accent6"/>
                 </a:solidFill>
               </a:rPr>
-              <a:t>CSS – </a:t>
-            </a:r>
-            <a:r>
-              <a:rPr lang="en-US" dirty="0" smtClean="0">
-                <a:solidFill>
-                  <a:schemeClr val="accent6"/>
-                </a:solidFill>
-              </a:rPr>
-              <a:t>float</a:t>
+              <a:t>CSS – float</a:t>
             </a:r>
             <a:endParaRPr lang="bg-BG" dirty="0">
               <a:solidFill>
@@ -7020,19 +6924,616 @@
         <p:spPr>
           <a:xfrm>
             <a:off x="762000" y="1676400"/>
-            <a:ext cx="7620000" cy="4525963"/>
+            <a:ext cx="7620000" cy="5181600"/>
           </a:xfrm>
         </p:spPr>
         <p:txBody>
           <a:bodyPr>
-            <a:normAutofit/>
+            <a:normAutofit fontScale="92500" lnSpcReduction="20000"/>
           </a:bodyPr>
           <a:lstStyle/>
           <a:p>
+            <a:pPr marL="457200" indent="-457200">
+              <a:buAutoNum type="arabicPeriod"/>
+            </a:pPr>
+            <a:r>
+              <a:rPr lang="bg-BG" sz="2000" dirty="0" smtClean="0">
+                <a:solidFill>
+                  <a:schemeClr val="bg1">
+                    <a:lumMod val="95000"/>
+                  </a:schemeClr>
+                </a:solidFill>
+              </a:rPr>
+              <a:t>Създайте страница, подобна на тази във файла </a:t>
+            </a:r>
+            <a:r>
+              <a:rPr lang="en-US" sz="2000" dirty="0" smtClean="0">
+                <a:solidFill>
+                  <a:schemeClr val="bg1">
+                    <a:lumMod val="95000"/>
+                  </a:schemeClr>
+                </a:solidFill>
+              </a:rPr>
+              <a:t>04-CSS-Tasks</a:t>
+            </a:r>
+            <a:r>
+              <a:rPr lang="bg-BG" sz="2000" dirty="0" smtClean="0">
+                <a:solidFill>
+                  <a:schemeClr val="bg1">
+                    <a:lumMod val="95000"/>
+                  </a:schemeClr>
+                </a:solidFill>
+              </a:rPr>
+              <a:t>/</a:t>
+            </a:r>
+            <a:r>
+              <a:rPr lang="en-US" sz="2000" dirty="0" smtClean="0">
+                <a:solidFill>
+                  <a:schemeClr val="bg1">
+                    <a:lumMod val="95000"/>
+                  </a:schemeClr>
+                </a:solidFill>
+              </a:rPr>
+              <a:t>task1.jpg, </a:t>
+            </a:r>
+            <a:r>
+              <a:rPr lang="bg-BG" sz="2000" dirty="0" smtClean="0">
+                <a:solidFill>
+                  <a:schemeClr val="bg1">
+                    <a:lumMod val="95000"/>
+                  </a:schemeClr>
+                </a:solidFill>
+              </a:rPr>
+              <a:t>като използвате елементи по избор(таблици, дивове, секции и т.н.)</a:t>
+            </a:r>
+          </a:p>
+          <a:p>
+            <a:pPr marL="457200" indent="-457200">
+              <a:buAutoNum type="arabicPeriod"/>
+            </a:pPr>
+            <a:r>
+              <a:rPr lang="bg-BG" sz="2000" dirty="0">
+                <a:solidFill>
+                  <a:schemeClr val="bg1">
+                    <a:lumMod val="95000"/>
+                  </a:schemeClr>
+                </a:solidFill>
+              </a:rPr>
+              <a:t>Създайте страница, подобна на тази във файла </a:t>
+            </a:r>
+            <a:r>
+              <a:rPr lang="en-US" sz="2000" dirty="0">
+                <a:solidFill>
+                  <a:schemeClr val="bg1">
+                    <a:lumMod val="95000"/>
+                  </a:schemeClr>
+                </a:solidFill>
+              </a:rPr>
+              <a:t>04-CSS-Tasks</a:t>
+            </a:r>
+            <a:r>
+              <a:rPr lang="bg-BG" sz="2000" dirty="0">
+                <a:solidFill>
+                  <a:schemeClr val="bg1">
+                    <a:lumMod val="95000"/>
+                  </a:schemeClr>
+                </a:solidFill>
+              </a:rPr>
+              <a:t>/</a:t>
+            </a:r>
+            <a:r>
+              <a:rPr lang="en-US" sz="2000" dirty="0" smtClean="0">
+                <a:solidFill>
+                  <a:schemeClr val="bg1">
+                    <a:lumMod val="95000"/>
+                  </a:schemeClr>
+                </a:solidFill>
+              </a:rPr>
+              <a:t>task</a:t>
+            </a:r>
+            <a:r>
+              <a:rPr lang="bg-BG" sz="2000" dirty="0" smtClean="0">
+                <a:solidFill>
+                  <a:schemeClr val="bg1">
+                    <a:lumMod val="95000"/>
+                  </a:schemeClr>
+                </a:solidFill>
+              </a:rPr>
+              <a:t>2</a:t>
+            </a:r>
+            <a:r>
+              <a:rPr lang="en-US" sz="2000" dirty="0" smtClean="0">
+                <a:solidFill>
+                  <a:schemeClr val="bg1">
+                    <a:lumMod val="95000"/>
+                  </a:schemeClr>
+                </a:solidFill>
+              </a:rPr>
+              <a:t>.jpg</a:t>
+            </a:r>
+            <a:endParaRPr lang="bg-BG" sz="2000" dirty="0" smtClean="0">
+              <a:solidFill>
+                <a:schemeClr val="bg1">
+                  <a:lumMod val="95000"/>
+                </a:schemeClr>
+              </a:solidFill>
+            </a:endParaRPr>
+          </a:p>
+          <a:p>
+            <a:pPr marL="457200" indent="-457200">
+              <a:buFont typeface="Arial" panose="020B0604020202020204" pitchFamily="34" charset="0"/>
+              <a:buAutoNum type="arabicPeriod"/>
+            </a:pPr>
+            <a:r>
+              <a:rPr lang="bg-BG" sz="2000" dirty="0">
+                <a:solidFill>
+                  <a:schemeClr val="bg1">
+                    <a:lumMod val="95000"/>
+                  </a:schemeClr>
+                </a:solidFill>
+              </a:rPr>
+              <a:t>Създайте </a:t>
+            </a:r>
+            <a:r>
+              <a:rPr lang="bg-BG" sz="2000" dirty="0" smtClean="0">
+                <a:solidFill>
+                  <a:schemeClr val="bg1">
+                    <a:lumMod val="95000"/>
+                  </a:schemeClr>
+                </a:solidFill>
+              </a:rPr>
+              <a:t>страница-плейър, </a:t>
+            </a:r>
+            <a:r>
+              <a:rPr lang="bg-BG" sz="2000" dirty="0">
+                <a:solidFill>
+                  <a:schemeClr val="bg1">
+                    <a:lumMod val="95000"/>
+                  </a:schemeClr>
+                </a:solidFill>
+              </a:rPr>
+              <a:t>подобна на тази във файла </a:t>
+            </a:r>
+            <a:r>
+              <a:rPr lang="en-US" sz="2000" dirty="0">
+                <a:solidFill>
+                  <a:schemeClr val="bg1">
+                    <a:lumMod val="95000"/>
+                  </a:schemeClr>
+                </a:solidFill>
+              </a:rPr>
+              <a:t>04-CSS-Tasks</a:t>
+            </a:r>
+            <a:r>
+              <a:rPr lang="bg-BG" sz="2000" dirty="0">
+                <a:solidFill>
+                  <a:schemeClr val="bg1">
+                    <a:lumMod val="95000"/>
+                  </a:schemeClr>
+                </a:solidFill>
+              </a:rPr>
+              <a:t>/</a:t>
+            </a:r>
+            <a:r>
+              <a:rPr lang="en-US" sz="2000" dirty="0" smtClean="0">
+                <a:solidFill>
+                  <a:schemeClr val="bg1">
+                    <a:lumMod val="95000"/>
+                  </a:schemeClr>
+                </a:solidFill>
+              </a:rPr>
+              <a:t>task</a:t>
+            </a:r>
+            <a:r>
+              <a:rPr lang="bg-BG" sz="2000" dirty="0" smtClean="0">
+                <a:solidFill>
+                  <a:schemeClr val="bg1">
+                    <a:lumMod val="95000"/>
+                  </a:schemeClr>
+                </a:solidFill>
+              </a:rPr>
+              <a:t>3.</a:t>
+            </a:r>
+            <a:r>
+              <a:rPr lang="en-US" sz="2000" dirty="0" err="1" smtClean="0">
+                <a:solidFill>
+                  <a:schemeClr val="bg1">
+                    <a:lumMod val="95000"/>
+                  </a:schemeClr>
+                </a:solidFill>
+              </a:rPr>
+              <a:t>png</a:t>
+            </a:r>
+            <a:r>
+              <a:rPr lang="en-US" sz="2000" dirty="0" smtClean="0">
+                <a:solidFill>
+                  <a:schemeClr val="bg1">
+                    <a:lumMod val="95000"/>
+                  </a:schemeClr>
+                </a:solidFill>
+              </a:rPr>
+              <a:t>, </a:t>
+            </a:r>
+            <a:r>
+              <a:rPr lang="bg-BG" sz="2000" dirty="0" smtClean="0">
+                <a:solidFill>
+                  <a:schemeClr val="bg1">
+                    <a:lumMod val="95000"/>
+                  </a:schemeClr>
+                </a:solidFill>
+              </a:rPr>
+              <a:t>като плейърът трябва да бъде функционален</a:t>
+            </a:r>
+          </a:p>
+          <a:p>
+            <a:pPr marL="457200" indent="-457200">
+              <a:buFont typeface="Arial" panose="020B0604020202020204" pitchFamily="34" charset="0"/>
+              <a:buAutoNum type="arabicPeriod"/>
+            </a:pPr>
+            <a:r>
+              <a:rPr lang="bg-BG" sz="2000" dirty="0" smtClean="0">
+                <a:solidFill>
+                  <a:schemeClr val="bg1">
+                    <a:lumMod val="95000"/>
+                  </a:schemeClr>
+                </a:solidFill>
+              </a:rPr>
+              <a:t>Създайте страница-</a:t>
+            </a:r>
+            <a:r>
+              <a:rPr lang="en-US" sz="2000" dirty="0" smtClean="0">
+                <a:solidFill>
+                  <a:schemeClr val="bg1">
+                    <a:lumMod val="95000"/>
+                  </a:schemeClr>
+                </a:solidFill>
+              </a:rPr>
+              <a:t>reminder</a:t>
+            </a:r>
+            <a:r>
+              <a:rPr lang="bg-BG" sz="2000" dirty="0" smtClean="0">
+                <a:solidFill>
+                  <a:schemeClr val="bg1">
+                    <a:lumMod val="95000"/>
+                  </a:schemeClr>
+                </a:solidFill>
+              </a:rPr>
+              <a:t>, </a:t>
+            </a:r>
+            <a:r>
+              <a:rPr lang="bg-BG" sz="2000" dirty="0">
+                <a:solidFill>
+                  <a:schemeClr val="bg1">
+                    <a:lumMod val="95000"/>
+                  </a:schemeClr>
+                </a:solidFill>
+              </a:rPr>
+              <a:t>подобна на тази във файла </a:t>
+            </a:r>
+            <a:r>
+              <a:rPr lang="en-US" sz="2000" dirty="0">
+                <a:solidFill>
+                  <a:schemeClr val="bg1">
+                    <a:lumMod val="95000"/>
+                  </a:schemeClr>
+                </a:solidFill>
+              </a:rPr>
+              <a:t>04-CSS-Tasks</a:t>
+            </a:r>
+            <a:r>
+              <a:rPr lang="bg-BG" sz="2000" dirty="0">
+                <a:solidFill>
+                  <a:schemeClr val="bg1">
+                    <a:lumMod val="95000"/>
+                  </a:schemeClr>
+                </a:solidFill>
+              </a:rPr>
+              <a:t>/</a:t>
+            </a:r>
+            <a:r>
+              <a:rPr lang="en-US" sz="2000" dirty="0" smtClean="0">
+                <a:solidFill>
+                  <a:schemeClr val="bg1">
+                    <a:lumMod val="95000"/>
+                  </a:schemeClr>
+                </a:solidFill>
+              </a:rPr>
+              <a:t>task</a:t>
+            </a:r>
+            <a:r>
+              <a:rPr lang="bg-BG" sz="2000" dirty="0" smtClean="0">
+                <a:solidFill>
+                  <a:schemeClr val="bg1">
+                    <a:lumMod val="95000"/>
+                  </a:schemeClr>
+                </a:solidFill>
+              </a:rPr>
+              <a:t>4.</a:t>
+            </a:r>
+            <a:r>
+              <a:rPr lang="en-US" sz="2000" dirty="0" err="1" smtClean="0">
+                <a:solidFill>
+                  <a:schemeClr val="bg1">
+                    <a:lumMod val="95000"/>
+                  </a:schemeClr>
+                </a:solidFill>
+              </a:rPr>
+              <a:t>png</a:t>
+            </a:r>
+            <a:r>
+              <a:rPr lang="bg-BG" sz="2000" dirty="0" smtClean="0">
+                <a:solidFill>
+                  <a:schemeClr val="bg1">
+                    <a:lumMod val="95000"/>
+                  </a:schemeClr>
+                </a:solidFill>
+              </a:rPr>
+              <a:t>, като приложите наученото за позициониране</a:t>
+            </a:r>
+          </a:p>
+          <a:p>
+            <a:pPr marL="457200" indent="-457200">
+              <a:buFont typeface="Arial" panose="020B0604020202020204" pitchFamily="34" charset="0"/>
+              <a:buAutoNum type="arabicPeriod"/>
+            </a:pPr>
+            <a:r>
+              <a:rPr lang="bg-BG" sz="2000" dirty="0" smtClean="0">
+                <a:solidFill>
+                  <a:schemeClr val="bg1">
+                    <a:lumMod val="95000"/>
+                  </a:schemeClr>
+                </a:solidFill>
+              </a:rPr>
+              <a:t>Създайте страница-калкулатор, подобна на тази във файла </a:t>
+            </a:r>
+            <a:r>
+              <a:rPr lang="en-US" sz="2000" dirty="0" smtClean="0">
+                <a:solidFill>
+                  <a:schemeClr val="bg1">
+                    <a:lumMod val="95000"/>
+                  </a:schemeClr>
+                </a:solidFill>
+              </a:rPr>
+              <a:t>04-CSS-Tasks</a:t>
+            </a:r>
+            <a:r>
+              <a:rPr lang="bg-BG" sz="2000" dirty="0">
+                <a:solidFill>
+                  <a:schemeClr val="bg1">
+                    <a:lumMod val="95000"/>
+                  </a:schemeClr>
+                </a:solidFill>
+              </a:rPr>
+              <a:t>/</a:t>
+            </a:r>
+            <a:r>
+              <a:rPr lang="en-US" sz="2000" dirty="0" smtClean="0">
+                <a:solidFill>
+                  <a:schemeClr val="bg1">
+                    <a:lumMod val="95000"/>
+                  </a:schemeClr>
+                </a:solidFill>
+              </a:rPr>
+              <a:t>task</a:t>
+            </a:r>
+            <a:r>
+              <a:rPr lang="bg-BG" sz="2000" dirty="0" smtClean="0">
+                <a:solidFill>
+                  <a:schemeClr val="bg1">
+                    <a:lumMod val="95000"/>
+                  </a:schemeClr>
+                </a:solidFill>
+              </a:rPr>
+              <a:t>5.</a:t>
+            </a:r>
+            <a:r>
+              <a:rPr lang="en-US" sz="2000" dirty="0" err="1" smtClean="0">
+                <a:solidFill>
+                  <a:schemeClr val="bg1">
+                    <a:lumMod val="95000"/>
+                  </a:schemeClr>
+                </a:solidFill>
+              </a:rPr>
+              <a:t>png</a:t>
+            </a:r>
+            <a:r>
+              <a:rPr lang="bg-BG" sz="2000" dirty="0" smtClean="0">
+                <a:solidFill>
+                  <a:schemeClr val="bg1">
+                    <a:lumMod val="95000"/>
+                  </a:schemeClr>
+                </a:solidFill>
+              </a:rPr>
+              <a:t>.</a:t>
+            </a:r>
+          </a:p>
+          <a:p>
             <a:pPr marL="0" indent="0">
               <a:buNone/>
             </a:pPr>
+            <a:r>
+              <a:rPr lang="bg-BG" sz="2000" b="1" dirty="0" smtClean="0">
+                <a:solidFill>
+                  <a:schemeClr val="bg1">
+                    <a:lumMod val="95000"/>
+                  </a:schemeClr>
+                </a:solidFill>
+              </a:rPr>
+              <a:t>		</a:t>
+            </a:r>
+            <a:r>
+              <a:rPr lang="bg-BG" sz="2000" dirty="0" smtClean="0">
+                <a:solidFill>
+                  <a:schemeClr val="bg1">
+                    <a:lumMod val="95000"/>
+                  </a:schemeClr>
+                </a:solidFill>
+              </a:rPr>
+              <a:t>*</a:t>
+            </a:r>
+            <a:r>
+              <a:rPr lang="en-US" sz="2000" dirty="0" smtClean="0">
+                <a:solidFill>
+                  <a:schemeClr val="bg1">
+                    <a:lumMod val="95000"/>
+                  </a:schemeClr>
+                </a:solidFill>
+              </a:rPr>
+              <a:t>hint: </a:t>
+            </a:r>
+            <a:r>
+              <a:rPr lang="bg-BG" sz="2000" dirty="0" smtClean="0">
+                <a:solidFill>
+                  <a:schemeClr val="bg1">
+                    <a:lumMod val="95000"/>
+                  </a:schemeClr>
+                </a:solidFill>
+              </a:rPr>
+              <a:t>бутоните са елементи </a:t>
+            </a:r>
+            <a:r>
+              <a:rPr lang="en-US" sz="2000" dirty="0" smtClean="0">
+                <a:solidFill>
+                  <a:schemeClr val="bg1">
+                    <a:lumMod val="95000"/>
+                  </a:schemeClr>
+                </a:solidFill>
+              </a:rPr>
+              <a:t>&lt;button&gt; </a:t>
+            </a:r>
+            <a:r>
+              <a:rPr lang="bg-BG" sz="2000" dirty="0" smtClean="0">
+                <a:solidFill>
+                  <a:schemeClr val="bg1">
+                    <a:lumMod val="95000"/>
+                  </a:schemeClr>
+                </a:solidFill>
+              </a:rPr>
+              <a:t>или </a:t>
+            </a:r>
+            <a:r>
+              <a:rPr lang="en-US" sz="2000" dirty="0" smtClean="0">
+                <a:solidFill>
+                  <a:schemeClr val="bg1">
+                    <a:lumMod val="95000"/>
+                  </a:schemeClr>
+                </a:solidFill>
+              </a:rPr>
+              <a:t>&lt;input type=“button”&gt;</a:t>
+            </a:r>
             <a:endParaRPr lang="bg-BG" sz="2000" dirty="0" smtClean="0">
+              <a:solidFill>
+                <a:schemeClr val="bg1">
+                  <a:lumMod val="95000"/>
+                </a:schemeClr>
+              </a:solidFill>
+            </a:endParaRPr>
+          </a:p>
+          <a:p>
+            <a:pPr marL="0" indent="0">
+              <a:buNone/>
+            </a:pPr>
+            <a:endParaRPr lang="bg-BG" sz="2000" dirty="0" smtClean="0">
+              <a:solidFill>
+                <a:schemeClr val="bg1">
+                  <a:lumMod val="95000"/>
+                </a:schemeClr>
+              </a:solidFill>
+            </a:endParaRPr>
+          </a:p>
+          <a:p>
+            <a:pPr marL="0" indent="0">
+              <a:buNone/>
+            </a:pPr>
+            <a:r>
+              <a:rPr lang="bg-BG" sz="2000" b="1" dirty="0">
+                <a:solidFill>
+                  <a:schemeClr val="bg1">
+                    <a:lumMod val="95000"/>
+                  </a:schemeClr>
+                </a:solidFill>
+              </a:rPr>
+              <a:t>Когато сте готови с всички задачи, ги качвате в </a:t>
+            </a:r>
+            <a:r>
+              <a:rPr lang="en-US" sz="2000" b="1" dirty="0">
+                <a:solidFill>
+                  <a:schemeClr val="bg1">
+                    <a:lumMod val="95000"/>
+                  </a:schemeClr>
+                </a:solidFill>
+              </a:rPr>
+              <a:t>GitHub </a:t>
+            </a:r>
+            <a:r>
+              <a:rPr lang="bg-BG" sz="2000" b="1" dirty="0">
+                <a:solidFill>
+                  <a:schemeClr val="bg1">
+                    <a:lumMod val="95000"/>
+                  </a:schemeClr>
+                </a:solidFill>
+              </a:rPr>
+              <a:t>и ми пращате линк.</a:t>
+            </a:r>
+            <a:endParaRPr lang="bg-BG" sz="2000" dirty="0" smtClean="0">
+              <a:solidFill>
+                <a:schemeClr val="bg1">
+                  <a:lumMod val="95000"/>
+                </a:schemeClr>
+              </a:solidFill>
+            </a:endParaRPr>
+          </a:p>
+          <a:p>
+            <a:pPr marL="0" indent="0">
+              <a:buNone/>
+            </a:pPr>
+            <a:r>
+              <a:rPr lang="bg-BG" sz="2000" b="1" dirty="0" smtClean="0">
+                <a:solidFill>
+                  <a:schemeClr val="bg1">
+                    <a:lumMod val="95000"/>
+                  </a:schemeClr>
+                </a:solidFill>
+              </a:rPr>
+              <a:t>Крайният срок за предаване на задачите е </a:t>
+            </a:r>
+            <a:r>
+              <a:rPr lang="bg-BG" sz="2000" b="1" u="sng" dirty="0" smtClean="0">
+                <a:solidFill>
+                  <a:schemeClr val="bg1">
+                    <a:lumMod val="95000"/>
+                  </a:schemeClr>
+                </a:solidFill>
+              </a:rPr>
+              <a:t>28.07.2015, 23:59 </a:t>
+            </a:r>
+            <a:r>
+              <a:rPr lang="bg-BG" sz="2000" b="1" u="sng" dirty="0" smtClean="0">
+                <a:solidFill>
+                  <a:schemeClr val="bg1">
+                    <a:lumMod val="95000"/>
+                  </a:schemeClr>
+                </a:solidFill>
+                <a:sym typeface="Wingdings" panose="05000000000000000000" pitchFamily="2" charset="2"/>
+              </a:rPr>
+              <a:t></a:t>
+            </a:r>
+          </a:p>
+          <a:p>
+            <a:pPr marL="0" indent="0">
+              <a:buNone/>
+            </a:pPr>
+            <a:r>
+              <a:rPr lang="bg-BG" sz="2000" b="1" dirty="0" smtClean="0">
+                <a:solidFill>
+                  <a:schemeClr val="bg1">
+                    <a:lumMod val="95000"/>
+                  </a:schemeClr>
+                </a:solidFill>
+              </a:rPr>
+              <a:t>Задачи, пратени след срока, няма да бъдат оценявани.</a:t>
+            </a:r>
+            <a:endParaRPr lang="bg-BG" sz="2000" b="1" dirty="0">
               <a:solidFill>
                 <a:schemeClr val="bg1">
                   <a:lumMod val="95000"/>

--- a/04-CSS.pptx
+++ b/04-CSS.pptx
@@ -245,7 +245,7 @@
           <a:p>
             <a:fld id="{2E054F57-E93D-4CC3-8A27-2F256E70BB98}" type="datetimeFigureOut">
               <a:rPr lang="en-US" smtClean="0"/>
-              <a:t>23 Jul 15</a:t>
+              <a:t>25 Jul 15</a:t>
             </a:fld>
             <a:endParaRPr lang="en-US"/>
           </a:p>
@@ -694,7 +694,7 @@
           <a:p>
             <a:fld id="{3EA744D9-3FBE-48D8-BF2A-85DF203E4D20}" type="datetimeFigureOut">
               <a:rPr lang="bg-BG" smtClean="0"/>
-              <a:t>23.7.2015 г.</a:t>
+              <a:t>25.7.2015 г.</a:t>
             </a:fld>
             <a:endParaRPr lang="bg-BG"/>
           </a:p>
@@ -864,7 +864,7 @@
           <a:p>
             <a:fld id="{3EA744D9-3FBE-48D8-BF2A-85DF203E4D20}" type="datetimeFigureOut">
               <a:rPr lang="bg-BG" smtClean="0"/>
-              <a:t>23.7.2015 г.</a:t>
+              <a:t>25.7.2015 г.</a:t>
             </a:fld>
             <a:endParaRPr lang="bg-BG"/>
           </a:p>
@@ -1044,7 +1044,7 @@
           <a:p>
             <a:fld id="{3EA744D9-3FBE-48D8-BF2A-85DF203E4D20}" type="datetimeFigureOut">
               <a:rPr lang="bg-BG" smtClean="0"/>
-              <a:t>23.7.2015 г.</a:t>
+              <a:t>25.7.2015 г.</a:t>
             </a:fld>
             <a:endParaRPr lang="bg-BG"/>
           </a:p>
@@ -1214,7 +1214,7 @@
           <a:p>
             <a:fld id="{3EA744D9-3FBE-48D8-BF2A-85DF203E4D20}" type="datetimeFigureOut">
               <a:rPr lang="bg-BG" smtClean="0"/>
-              <a:t>23.7.2015 г.</a:t>
+              <a:t>25.7.2015 г.</a:t>
             </a:fld>
             <a:endParaRPr lang="bg-BG"/>
           </a:p>
@@ -1460,7 +1460,7 @@
           <a:p>
             <a:fld id="{3EA744D9-3FBE-48D8-BF2A-85DF203E4D20}" type="datetimeFigureOut">
               <a:rPr lang="bg-BG" smtClean="0"/>
-              <a:t>23.7.2015 г.</a:t>
+              <a:t>25.7.2015 г.</a:t>
             </a:fld>
             <a:endParaRPr lang="bg-BG"/>
           </a:p>
@@ -1748,7 +1748,7 @@
           <a:p>
             <a:fld id="{3EA744D9-3FBE-48D8-BF2A-85DF203E4D20}" type="datetimeFigureOut">
               <a:rPr lang="bg-BG" smtClean="0"/>
-              <a:t>23.7.2015 г.</a:t>
+              <a:t>25.7.2015 г.</a:t>
             </a:fld>
             <a:endParaRPr lang="bg-BG"/>
           </a:p>
@@ -2170,7 +2170,7 @@
           <a:p>
             <a:fld id="{3EA744D9-3FBE-48D8-BF2A-85DF203E4D20}" type="datetimeFigureOut">
               <a:rPr lang="bg-BG" smtClean="0"/>
-              <a:t>23.7.2015 г.</a:t>
+              <a:t>25.7.2015 г.</a:t>
             </a:fld>
             <a:endParaRPr lang="bg-BG"/>
           </a:p>
@@ -2288,7 +2288,7 @@
           <a:p>
             <a:fld id="{3EA744D9-3FBE-48D8-BF2A-85DF203E4D20}" type="datetimeFigureOut">
               <a:rPr lang="bg-BG" smtClean="0"/>
-              <a:t>23.7.2015 г.</a:t>
+              <a:t>25.7.2015 г.</a:t>
             </a:fld>
             <a:endParaRPr lang="bg-BG"/>
           </a:p>
@@ -2383,7 +2383,7 @@
           <a:p>
             <a:fld id="{3EA744D9-3FBE-48D8-BF2A-85DF203E4D20}" type="datetimeFigureOut">
               <a:rPr lang="bg-BG" smtClean="0"/>
-              <a:t>23.7.2015 г.</a:t>
+              <a:t>25.7.2015 г.</a:t>
             </a:fld>
             <a:endParaRPr lang="bg-BG"/>
           </a:p>
@@ -2660,7 +2660,7 @@
           <a:p>
             <a:fld id="{3EA744D9-3FBE-48D8-BF2A-85DF203E4D20}" type="datetimeFigureOut">
               <a:rPr lang="bg-BG" smtClean="0"/>
-              <a:t>23.7.2015 г.</a:t>
+              <a:t>25.7.2015 г.</a:t>
             </a:fld>
             <a:endParaRPr lang="bg-BG"/>
           </a:p>
@@ -2913,7 +2913,7 @@
           <a:p>
             <a:fld id="{3EA744D9-3FBE-48D8-BF2A-85DF203E4D20}" type="datetimeFigureOut">
               <a:rPr lang="bg-BG" smtClean="0"/>
-              <a:t>23.7.2015 г.</a:t>
+              <a:t>25.7.2015 г.</a:t>
             </a:fld>
             <a:endParaRPr lang="bg-BG"/>
           </a:p>
@@ -3135,7 +3135,7 @@
           <a:p>
             <a:fld id="{3EA744D9-3FBE-48D8-BF2A-85DF203E4D20}" type="datetimeFigureOut">
               <a:rPr lang="bg-BG" smtClean="0"/>
-              <a:t>23.7.2015 г.</a:t>
+              <a:t>25.7.2015 г.</a:t>
             </a:fld>
             <a:endParaRPr lang="bg-BG"/>
           </a:p>
@@ -6924,12 +6924,12 @@
         <p:spPr>
           <a:xfrm>
             <a:off x="762000" y="1676400"/>
-            <a:ext cx="7620000" cy="5181600"/>
+            <a:ext cx="7620000" cy="4953000"/>
           </a:xfrm>
         </p:spPr>
         <p:txBody>
           <a:bodyPr>
-            <a:normAutofit fontScale="92500" lnSpcReduction="20000"/>
+            <a:normAutofit fontScale="85000" lnSpcReduction="10000"/>
           </a:bodyPr>
           <a:lstStyle/>
           <a:p>
@@ -6984,35 +6984,45 @@
                   </a:schemeClr>
                 </a:solidFill>
               </a:rPr>
-              <a:t>като използвате елементи по избор(таблици, дивове, секции и т.н.)</a:t>
-            </a:r>
-          </a:p>
-          <a:p>
-            <a:pPr marL="457200" indent="-457200">
-              <a:buAutoNum type="arabicPeriod"/>
-            </a:pPr>
-            <a:r>
-              <a:rPr lang="bg-BG" sz="2000" dirty="0">
+              <a:t>като използвате елементи по избор(таблици, дивове, секции и т.н</a:t>
+            </a:r>
+            <a:r>
+              <a:rPr lang="bg-BG" sz="2000" dirty="0" smtClean="0">
                 <a:solidFill>
                   <a:schemeClr val="bg1">
                     <a:lumMod val="95000"/>
                   </a:schemeClr>
                 </a:solidFill>
               </a:rPr>
-              <a:t>Създайте страница, подобна на тази във файла </a:t>
-            </a:r>
-            <a:r>
-              <a:rPr lang="en-US" sz="2000" dirty="0">
+              <a:t>.)</a:t>
+            </a:r>
+          </a:p>
+          <a:p>
+            <a:pPr marL="457200" indent="-457200">
+              <a:buAutoNum type="arabicPeriod"/>
+            </a:pPr>
+            <a:r>
+              <a:rPr lang="bg-BG" sz="2000" dirty="0" smtClean="0">
                 <a:solidFill>
                   <a:schemeClr val="bg1">
                     <a:lumMod val="95000"/>
                   </a:schemeClr>
                 </a:solidFill>
               </a:rPr>
+              <a:t>Създайте страница, подобна на тази във файла </a:t>
+            </a:r>
+            <a:r>
+              <a:rPr lang="en-US" sz="2000" dirty="0" smtClean="0">
+                <a:solidFill>
+                  <a:schemeClr val="bg1">
+                    <a:lumMod val="95000"/>
+                  </a:schemeClr>
+                </a:solidFill>
+              </a:rPr>
               <a:t>04-CSS-Tasks</a:t>
             </a:r>
             <a:r>
-              <a:rPr lang="bg-BG" sz="2000" dirty="0">
+              <a:rPr lang="bg-BG" sz="2000" dirty="0" smtClean="0">
                 <a:solidFill>
                   <a:schemeClr val="bg1">
                     <a:lumMod val="95000"/>
@@ -7065,94 +7075,100 @@
               <a:buAutoNum type="arabicPeriod"/>
             </a:pPr>
             <a:r>
-              <a:rPr lang="bg-BG" sz="2000" dirty="0">
+              <a:rPr lang="bg-BG" sz="2000" dirty="0" smtClean="0">
                 <a:solidFill>
                   <a:schemeClr val="bg1">
                     <a:lumMod val="95000"/>
                   </a:schemeClr>
                 </a:solidFill>
               </a:rPr>
-              <a:t>Създайте </a:t>
-            </a:r>
-            <a:r>
-              <a:rPr lang="bg-BG" sz="2000" dirty="0" smtClean="0">
+              <a:t>Създайте страница-плейър, подобна на тази във файла </a:t>
+            </a:r>
+            <a:r>
+              <a:rPr lang="en-US" sz="2000" dirty="0" smtClean="0">
                 <a:solidFill>
                   <a:schemeClr val="bg1">
                     <a:lumMod val="95000"/>
                   </a:schemeClr>
                 </a:solidFill>
               </a:rPr>
-              <a:t>страница-плейър, </a:t>
-            </a:r>
-            <a:r>
-              <a:rPr lang="bg-BG" sz="2000" dirty="0">
+              <a:t>04-CSS-Tasks</a:t>
+            </a:r>
+            <a:r>
+              <a:rPr lang="bg-BG" sz="2000" dirty="0" smtClean="0">
                 <a:solidFill>
                   <a:schemeClr val="bg1">
                     <a:lumMod val="95000"/>
                   </a:schemeClr>
                 </a:solidFill>
               </a:rPr>
-              <a:t>подобна на тази във файла </a:t>
-            </a:r>
-            <a:r>
-              <a:rPr lang="en-US" sz="2000" dirty="0">
+              <a:t>/</a:t>
+            </a:r>
+            <a:r>
+              <a:rPr lang="en-US" sz="2000" dirty="0" smtClean="0">
                 <a:solidFill>
                   <a:schemeClr val="bg1">
                     <a:lumMod val="95000"/>
                   </a:schemeClr>
                 </a:solidFill>
               </a:rPr>
-              <a:t>04-CSS-Tasks</a:t>
-            </a:r>
-            <a:r>
-              <a:rPr lang="bg-BG" sz="2000" dirty="0">
+              <a:t>task</a:t>
+            </a:r>
+            <a:r>
+              <a:rPr lang="bg-BG" sz="2000" dirty="0" smtClean="0">
                 <a:solidFill>
                   <a:schemeClr val="bg1">
                     <a:lumMod val="95000"/>
                   </a:schemeClr>
                 </a:solidFill>
               </a:rPr>
-              <a:t>/</a:t>
-            </a:r>
-            <a:r>
-              <a:rPr lang="en-US" sz="2000" dirty="0" smtClean="0">
+              <a:t>3.</a:t>
+            </a:r>
+            <a:r>
+              <a:rPr lang="en-US" sz="2000" dirty="0" err="1" smtClean="0">
                 <a:solidFill>
                   <a:schemeClr val="bg1">
                     <a:lumMod val="95000"/>
                   </a:schemeClr>
                 </a:solidFill>
               </a:rPr>
-              <a:t>task</a:t>
-            </a:r>
-            <a:r>
-              <a:rPr lang="bg-BG" sz="2000" dirty="0" smtClean="0">
+              <a:t>png</a:t>
+            </a:r>
+            <a:r>
+              <a:rPr lang="en-US" sz="2000" dirty="0" smtClean="0">
                 <a:solidFill>
                   <a:schemeClr val="bg1">
                     <a:lumMod val="95000"/>
                   </a:schemeClr>
                 </a:solidFill>
               </a:rPr>
-              <a:t>3.</a:t>
-            </a:r>
-            <a:r>
-              <a:rPr lang="en-US" sz="2000" dirty="0" err="1" smtClean="0">
+              <a:t>, </a:t>
+            </a:r>
+            <a:r>
+              <a:rPr lang="bg-BG" sz="2000" dirty="0" smtClean="0">
                 <a:solidFill>
                   <a:schemeClr val="bg1">
                     <a:lumMod val="95000"/>
                   </a:schemeClr>
                 </a:solidFill>
               </a:rPr>
-              <a:t>png</a:t>
-            </a:r>
-            <a:r>
-              <a:rPr lang="en-US" sz="2000" dirty="0" smtClean="0">
+              <a:t>като плейърът трябва да бъде функционален</a:t>
+            </a:r>
+          </a:p>
+          <a:p>
+            <a:pPr marL="457200" indent="-457200">
+              <a:buFont typeface="Arial" panose="020B0604020202020204" pitchFamily="34" charset="0"/>
+              <a:buAutoNum type="arabicPeriod"/>
+            </a:pPr>
+            <a:r>
+              <a:rPr lang="bg-BG" sz="2000" dirty="0" smtClean="0">
                 <a:solidFill>
                   <a:schemeClr val="bg1">
                     <a:lumMod val="95000"/>
                   </a:schemeClr>
                 </a:solidFill>
               </a:rPr>
-              <a:t>, </a:t>
+              <a:t>Създайте </a:t>
             </a:r>
             <a:r>
               <a:rPr lang="bg-BG" sz="2000" dirty="0" smtClean="0">
@@ -7162,7 +7178,97 @@
                   </a:schemeClr>
                 </a:solidFill>
               </a:rPr>
-              <a:t>като плейърът трябва да бъде функционален</a:t>
+              <a:t>страница-</a:t>
+            </a:r>
+            <a:r>
+              <a:rPr lang="en-US" sz="2000" dirty="0" smtClean="0">
+                <a:solidFill>
+                  <a:schemeClr val="bg1">
+                    <a:lumMod val="95000"/>
+                  </a:schemeClr>
+                </a:solidFill>
+              </a:rPr>
+              <a:t>reminder</a:t>
+            </a:r>
+            <a:r>
+              <a:rPr lang="bg-BG" sz="2000" dirty="0" smtClean="0">
+                <a:solidFill>
+                  <a:schemeClr val="bg1">
+                    <a:lumMod val="95000"/>
+                  </a:schemeClr>
+                </a:solidFill>
+              </a:rPr>
+              <a:t>, </a:t>
+            </a:r>
+            <a:r>
+              <a:rPr lang="bg-BG" sz="2000" dirty="0">
+                <a:solidFill>
+                  <a:schemeClr val="bg1">
+                    <a:lumMod val="95000"/>
+                  </a:schemeClr>
+                </a:solidFill>
+              </a:rPr>
+              <a:t>подобна на тази във файла </a:t>
+            </a:r>
+            <a:r>
+              <a:rPr lang="en-US" sz="2000" dirty="0">
+                <a:solidFill>
+                  <a:schemeClr val="bg1">
+                    <a:lumMod val="95000"/>
+                  </a:schemeClr>
+                </a:solidFill>
+              </a:rPr>
+              <a:t>04-CSS-Tasks</a:t>
+            </a:r>
+            <a:r>
+              <a:rPr lang="bg-BG" sz="2000" dirty="0">
+                <a:solidFill>
+                  <a:schemeClr val="bg1">
+                    <a:lumMod val="95000"/>
+                  </a:schemeClr>
+                </a:solidFill>
+              </a:rPr>
+              <a:t>/</a:t>
+            </a:r>
+            <a:r>
+              <a:rPr lang="en-US" sz="2000" dirty="0" smtClean="0">
+                <a:solidFill>
+                  <a:schemeClr val="bg1">
+                    <a:lumMod val="95000"/>
+                  </a:schemeClr>
+                </a:solidFill>
+              </a:rPr>
+              <a:t>task</a:t>
+            </a:r>
+            <a:r>
+              <a:rPr lang="bg-BG" sz="2000" dirty="0" smtClean="0">
+                <a:solidFill>
+                  <a:schemeClr val="bg1">
+                    <a:lumMod val="95000"/>
+                  </a:schemeClr>
+                </a:solidFill>
+              </a:rPr>
+              <a:t>4.</a:t>
+            </a:r>
+            <a:r>
+              <a:rPr lang="en-US" sz="2000" dirty="0" err="1" smtClean="0">
+                <a:solidFill>
+                  <a:schemeClr val="bg1">
+                    <a:lumMod val="95000"/>
+                  </a:schemeClr>
+                </a:solidFill>
+              </a:rPr>
+              <a:t>png</a:t>
+            </a:r>
+            <a:r>
+              <a:rPr lang="bg-BG" sz="2000" dirty="0" smtClean="0">
+                <a:solidFill>
+                  <a:schemeClr val="bg1">
+                    <a:lumMod val="95000"/>
+                  </a:schemeClr>
+                </a:solidFill>
+              </a:rPr>
+              <a:t>, като приложите наученото за позициониране</a:t>
             </a:r>
           </a:p>
           <a:p>
@@ -7178,7 +7284,7 @@
                   </a:schemeClr>
                 </a:solidFill>
               </a:rPr>
-              <a:t>Създайте страница-</a:t>
+              <a:t>Създайте страница-калкулатор, подобна на тази във файла </a:t>
             </a:r>
             <a:r>
               <a:rPr lang="en-US" sz="2000" dirty="0" smtClean="0">
@@ -7188,7 +7294,7 @@
                   </a:schemeClr>
                 </a:solidFill>
               </a:rPr>
-              <a:t>reminder</a:t>
+              <a:t>04-CSS-Tasks</a:t>
             </a:r>
             <a:r>
               <a:rPr lang="bg-BG" sz="2000" dirty="0" smtClean="0">
@@ -7198,67 +7304,67 @@
                   </a:schemeClr>
                 </a:solidFill>
               </a:rPr>
-              <a:t>, </a:t>
-            </a:r>
-            <a:r>
-              <a:rPr lang="bg-BG" sz="2000" dirty="0">
+              <a:t>/</a:t>
+            </a:r>
+            <a:r>
+              <a:rPr lang="en-US" sz="2000" dirty="0" smtClean="0">
                 <a:solidFill>
                   <a:schemeClr val="bg1">
                     <a:lumMod val="95000"/>
                   </a:schemeClr>
                 </a:solidFill>
               </a:rPr>
-              <a:t>подобна на тази във файла </a:t>
-            </a:r>
-            <a:r>
-              <a:rPr lang="en-US" sz="2000" dirty="0">
+              <a:t>task</a:t>
+            </a:r>
+            <a:r>
+              <a:rPr lang="bg-BG" sz="2000" dirty="0" smtClean="0">
                 <a:solidFill>
                   <a:schemeClr val="bg1">
                     <a:lumMod val="95000"/>
                   </a:schemeClr>
                 </a:solidFill>
               </a:rPr>
-              <a:t>04-CSS-Tasks</a:t>
-            </a:r>
-            <a:r>
-              <a:rPr lang="bg-BG" sz="2000" dirty="0">
+              <a:t>5.</a:t>
+            </a:r>
+            <a:r>
+              <a:rPr lang="en-US" sz="2000" dirty="0" err="1" smtClean="0">
                 <a:solidFill>
                   <a:schemeClr val="bg1">
                     <a:lumMod val="95000"/>
                   </a:schemeClr>
                 </a:solidFill>
               </a:rPr>
-              <a:t>/</a:t>
-            </a:r>
-            <a:r>
-              <a:rPr lang="en-US" sz="2000" dirty="0" smtClean="0">
+              <a:t>png</a:t>
+            </a:r>
+            <a:r>
+              <a:rPr lang="bg-BG" sz="2000" dirty="0" smtClean="0">
                 <a:solidFill>
                   <a:schemeClr val="bg1">
                     <a:lumMod val="95000"/>
                   </a:schemeClr>
                 </a:solidFill>
               </a:rPr>
-              <a:t>task</a:t>
-            </a:r>
-            <a:r>
-              <a:rPr lang="bg-BG" sz="2000" dirty="0" smtClean="0">
+              <a:t>. </a:t>
+            </a:r>
+            <a:r>
+              <a:rPr lang="en-US" sz="2000" dirty="0">
                 <a:solidFill>
                   <a:schemeClr val="bg1">
                     <a:lumMod val="95000"/>
                   </a:schemeClr>
                 </a:solidFill>
               </a:rPr>
-              <a:t>4.</a:t>
-            </a:r>
-            <a:r>
-              <a:rPr lang="en-US" sz="2000" dirty="0" err="1" smtClean="0">
+              <a:t>	</a:t>
+            </a:r>
+            <a:r>
+              <a:rPr lang="en-US" sz="2000" dirty="0" smtClean="0">
                 <a:solidFill>
                   <a:schemeClr val="bg1">
                     <a:lumMod val="95000"/>
                   </a:schemeClr>
                 </a:solidFill>
               </a:rPr>
-              <a:t>png</a:t>
+              <a:t>					</a:t>
             </a:r>
             <a:r>
               <a:rPr lang="bg-BG" sz="2000" dirty="0" smtClean="0">
@@ -7268,8 +7374,75 @@
                   </a:schemeClr>
                 </a:solidFill>
               </a:rPr>
-              <a:t>, като приложите наученото за позициониране</a:t>
-            </a:r>
+              <a:t>*</a:t>
+            </a:r>
+            <a:r>
+              <a:rPr lang="en-US" sz="2000" dirty="0" smtClean="0">
+                <a:solidFill>
+                  <a:schemeClr val="bg1">
+                    <a:lumMod val="95000"/>
+                  </a:schemeClr>
+                </a:solidFill>
+              </a:rPr>
+              <a:t>hint: </a:t>
+            </a:r>
+            <a:r>
+              <a:rPr lang="bg-BG" sz="2000" dirty="0" smtClean="0">
+                <a:solidFill>
+                  <a:schemeClr val="bg1">
+                    <a:lumMod val="95000"/>
+                  </a:schemeClr>
+                </a:solidFill>
+              </a:rPr>
+              <a:t>бутоните са елементи </a:t>
+            </a:r>
+            <a:r>
+              <a:rPr lang="en-US" sz="2000" dirty="0" smtClean="0">
+                <a:solidFill>
+                  <a:schemeClr val="bg1">
+                    <a:lumMod val="95000"/>
+                  </a:schemeClr>
+                </a:solidFill>
+              </a:rPr>
+              <a:t>&lt;button&gt; </a:t>
+            </a:r>
+            <a:r>
+              <a:rPr lang="bg-BG" sz="2000" dirty="0" smtClean="0">
+                <a:solidFill>
+                  <a:schemeClr val="bg1">
+                    <a:lumMod val="95000"/>
+                  </a:schemeClr>
+                </a:solidFill>
+              </a:rPr>
+              <a:t>или </a:t>
+            </a:r>
+            <a:r>
+              <a:rPr lang="en-US" sz="2000" dirty="0" smtClean="0">
+                <a:solidFill>
+                  <a:schemeClr val="bg1">
+                    <a:lumMod val="95000"/>
+                  </a:schemeClr>
+                </a:solidFill>
+              </a:rPr>
+              <a:t>&lt;input type=“button</a:t>
+            </a:r>
+            <a:r>
+              <a:rPr lang="en-US" sz="2000" dirty="0" smtClean="0">
+                <a:solidFill>
+                  <a:schemeClr val="bg1">
+                    <a:lumMod val="95000"/>
+                  </a:schemeClr>
+                </a:solidFill>
+              </a:rPr>
+              <a:t>”&gt;</a:t>
+            </a:r>
+            <a:endParaRPr lang="bg-BG" sz="2000" dirty="0" smtClean="0">
+              <a:solidFill>
+                <a:schemeClr val="bg1">
+                  <a:lumMod val="95000"/>
+                </a:schemeClr>
+              </a:solidFill>
+            </a:endParaRPr>
           </a:p>
           <a:p>
             <a:pPr marL="457200" indent="-457200">
@@ -7284,7 +7457,7 @@
                   </a:schemeClr>
                 </a:solidFill>
               </a:rPr>
-              <a:t>Създайте страница-калкулатор, подобна на тази във файла </a:t>
+              <a:t>Създайте страница, подобна на тази във файла 04-</a:t>
             </a:r>
             <a:r>
               <a:rPr lang="en-US" sz="2000" dirty="0" smtClean="0">
@@ -7294,132 +7467,7 @@
                   </a:schemeClr>
                 </a:solidFill>
               </a:rPr>
-              <a:t>04-CSS-Tasks</a:t>
-            </a:r>
-            <a:r>
-              <a:rPr lang="bg-BG" sz="2000" dirty="0">
-                <a:solidFill>
-                  <a:schemeClr val="bg1">
-                    <a:lumMod val="95000"/>
-                  </a:schemeClr>
-                </a:solidFill>
-              </a:rPr>
-              <a:t>/</a:t>
-            </a:r>
-            <a:r>
-              <a:rPr lang="en-US" sz="2000" dirty="0" smtClean="0">
-                <a:solidFill>
-                  <a:schemeClr val="bg1">
-                    <a:lumMod val="95000"/>
-                  </a:schemeClr>
-                </a:solidFill>
-              </a:rPr>
-              <a:t>task</a:t>
-            </a:r>
-            <a:r>
-              <a:rPr lang="bg-BG" sz="2000" dirty="0" smtClean="0">
-                <a:solidFill>
-                  <a:schemeClr val="bg1">
-                    <a:lumMod val="95000"/>
-                  </a:schemeClr>
-                </a:solidFill>
-              </a:rPr>
-              <a:t>5.</a:t>
-            </a:r>
-            <a:r>
-              <a:rPr lang="en-US" sz="2000" dirty="0" err="1" smtClean="0">
-                <a:solidFill>
-                  <a:schemeClr val="bg1">
-                    <a:lumMod val="95000"/>
-                  </a:schemeClr>
-                </a:solidFill>
-              </a:rPr>
-              <a:t>png</a:t>
-            </a:r>
-            <a:r>
-              <a:rPr lang="bg-BG" sz="2000" dirty="0" smtClean="0">
-                <a:solidFill>
-                  <a:schemeClr val="bg1">
-                    <a:lumMod val="95000"/>
-                  </a:schemeClr>
-                </a:solidFill>
-              </a:rPr>
-              <a:t>.</a:t>
-            </a:r>
-          </a:p>
-          <a:p>
-            <a:pPr marL="0" indent="0">
-              <a:buNone/>
-            </a:pPr>
-            <a:r>
-              <a:rPr lang="bg-BG" sz="2000" b="1" dirty="0" smtClean="0">
-                <a:solidFill>
-                  <a:schemeClr val="bg1">
-                    <a:lumMod val="95000"/>
-                  </a:schemeClr>
-                </a:solidFill>
-              </a:rPr>
-              <a:t>		</a:t>
-            </a:r>
-            <a:r>
-              <a:rPr lang="bg-BG" sz="2000" dirty="0" smtClean="0">
-                <a:solidFill>
-                  <a:schemeClr val="bg1">
-                    <a:lumMod val="95000"/>
-                  </a:schemeClr>
-                </a:solidFill>
-              </a:rPr>
-              <a:t>*</a:t>
-            </a:r>
-            <a:r>
-              <a:rPr lang="en-US" sz="2000" dirty="0" smtClean="0">
-                <a:solidFill>
-                  <a:schemeClr val="bg1">
-                    <a:lumMod val="95000"/>
-                  </a:schemeClr>
-                </a:solidFill>
-              </a:rPr>
-              <a:t>hint: </a:t>
-            </a:r>
-            <a:r>
-              <a:rPr lang="bg-BG" sz="2000" dirty="0" smtClean="0">
-                <a:solidFill>
-                  <a:schemeClr val="bg1">
-                    <a:lumMod val="95000"/>
-                  </a:schemeClr>
-                </a:solidFill>
-              </a:rPr>
-              <a:t>бутоните са елементи </a:t>
-            </a:r>
-            <a:r>
-              <a:rPr lang="en-US" sz="2000" dirty="0" smtClean="0">
-                <a:solidFill>
-                  <a:schemeClr val="bg1">
-                    <a:lumMod val="95000"/>
-                  </a:schemeClr>
-                </a:solidFill>
-              </a:rPr>
-              <a:t>&lt;button&gt; </a:t>
-            </a:r>
-            <a:r>
-              <a:rPr lang="bg-BG" sz="2000" dirty="0" smtClean="0">
-                <a:solidFill>
-                  <a:schemeClr val="bg1">
-                    <a:lumMod val="95000"/>
-                  </a:schemeClr>
-                </a:solidFill>
-              </a:rPr>
-              <a:t>или </a:t>
-            </a:r>
-            <a:r>
-              <a:rPr lang="en-US" sz="2000" dirty="0" smtClean="0">
-                <a:solidFill>
-                  <a:schemeClr val="bg1">
-                    <a:lumMod val="95000"/>
-                  </a:schemeClr>
-                </a:solidFill>
-              </a:rPr>
-              <a:t>&lt;input type=“button”&gt;</a:t>
+              <a:t>CSS-Tasks/task6.png</a:t>
             </a:r>
             <a:endParaRPr lang="bg-BG" sz="2000" dirty="0" smtClean="0">
               <a:solidFill>

--- a/04-CSS.pptx
+++ b/04-CSS.pptx
@@ -245,7 +245,7 @@
           <a:p>
             <a:fld id="{2E054F57-E93D-4CC3-8A27-2F256E70BB98}" type="datetimeFigureOut">
               <a:rPr lang="en-US" smtClean="0"/>
-              <a:t>25 Jul 15</a:t>
+              <a:t>28 Jul 15</a:t>
             </a:fld>
             <a:endParaRPr lang="en-US"/>
           </a:p>
@@ -694,7 +694,7 @@
           <a:p>
             <a:fld id="{3EA744D9-3FBE-48D8-BF2A-85DF203E4D20}" type="datetimeFigureOut">
               <a:rPr lang="bg-BG" smtClean="0"/>
-              <a:t>25.7.2015 г.</a:t>
+              <a:t>28.7.2015 г.</a:t>
             </a:fld>
             <a:endParaRPr lang="bg-BG"/>
           </a:p>
@@ -864,7 +864,7 @@
           <a:p>
             <a:fld id="{3EA744D9-3FBE-48D8-BF2A-85DF203E4D20}" type="datetimeFigureOut">
               <a:rPr lang="bg-BG" smtClean="0"/>
-              <a:t>25.7.2015 г.</a:t>
+              <a:t>28.7.2015 г.</a:t>
             </a:fld>
             <a:endParaRPr lang="bg-BG"/>
           </a:p>
@@ -1044,7 +1044,7 @@
           <a:p>
             <a:fld id="{3EA744D9-3FBE-48D8-BF2A-85DF203E4D20}" type="datetimeFigureOut">
               <a:rPr lang="bg-BG" smtClean="0"/>
-              <a:t>25.7.2015 г.</a:t>
+              <a:t>28.7.2015 г.</a:t>
             </a:fld>
             <a:endParaRPr lang="bg-BG"/>
           </a:p>
@@ -1214,7 +1214,7 @@
           <a:p>
             <a:fld id="{3EA744D9-3FBE-48D8-BF2A-85DF203E4D20}" type="datetimeFigureOut">
               <a:rPr lang="bg-BG" smtClean="0"/>
-              <a:t>25.7.2015 г.</a:t>
+              <a:t>28.7.2015 г.</a:t>
             </a:fld>
             <a:endParaRPr lang="bg-BG"/>
           </a:p>
@@ -1460,7 +1460,7 @@
           <a:p>
             <a:fld id="{3EA744D9-3FBE-48D8-BF2A-85DF203E4D20}" type="datetimeFigureOut">
               <a:rPr lang="bg-BG" smtClean="0"/>
-              <a:t>25.7.2015 г.</a:t>
+              <a:t>28.7.2015 г.</a:t>
             </a:fld>
             <a:endParaRPr lang="bg-BG"/>
           </a:p>
@@ -1748,7 +1748,7 @@
           <a:p>
             <a:fld id="{3EA744D9-3FBE-48D8-BF2A-85DF203E4D20}" type="datetimeFigureOut">
               <a:rPr lang="bg-BG" smtClean="0"/>
-              <a:t>25.7.2015 г.</a:t>
+              <a:t>28.7.2015 г.</a:t>
             </a:fld>
             <a:endParaRPr lang="bg-BG"/>
           </a:p>
@@ -2170,7 +2170,7 @@
           <a:p>
             <a:fld id="{3EA744D9-3FBE-48D8-BF2A-85DF203E4D20}" type="datetimeFigureOut">
               <a:rPr lang="bg-BG" smtClean="0"/>
-              <a:t>25.7.2015 г.</a:t>
+              <a:t>28.7.2015 г.</a:t>
             </a:fld>
             <a:endParaRPr lang="bg-BG"/>
           </a:p>
@@ -2288,7 +2288,7 @@
           <a:p>
             <a:fld id="{3EA744D9-3FBE-48D8-BF2A-85DF203E4D20}" type="datetimeFigureOut">
               <a:rPr lang="bg-BG" smtClean="0"/>
-              <a:t>25.7.2015 г.</a:t>
+              <a:t>28.7.2015 г.</a:t>
             </a:fld>
             <a:endParaRPr lang="bg-BG"/>
           </a:p>
@@ -2383,7 +2383,7 @@
           <a:p>
             <a:fld id="{3EA744D9-3FBE-48D8-BF2A-85DF203E4D20}" type="datetimeFigureOut">
               <a:rPr lang="bg-BG" smtClean="0"/>
-              <a:t>25.7.2015 г.</a:t>
+              <a:t>28.7.2015 г.</a:t>
             </a:fld>
             <a:endParaRPr lang="bg-BG"/>
           </a:p>
@@ -2660,7 +2660,7 @@
           <a:p>
             <a:fld id="{3EA744D9-3FBE-48D8-BF2A-85DF203E4D20}" type="datetimeFigureOut">
               <a:rPr lang="bg-BG" smtClean="0"/>
-              <a:t>25.7.2015 г.</a:t>
+              <a:t>28.7.2015 г.</a:t>
             </a:fld>
             <a:endParaRPr lang="bg-BG"/>
           </a:p>
@@ -2913,7 +2913,7 @@
           <a:p>
             <a:fld id="{3EA744D9-3FBE-48D8-BF2A-85DF203E4D20}" type="datetimeFigureOut">
               <a:rPr lang="bg-BG" smtClean="0"/>
-              <a:t>25.7.2015 г.</a:t>
+              <a:t>28.7.2015 г.</a:t>
             </a:fld>
             <a:endParaRPr lang="bg-BG"/>
           </a:p>
@@ -3135,7 +3135,7 @@
           <a:p>
             <a:fld id="{3EA744D9-3FBE-48D8-BF2A-85DF203E4D20}" type="datetimeFigureOut">
               <a:rPr lang="bg-BG" smtClean="0"/>
-              <a:t>25.7.2015 г.</a:t>
+              <a:t>28.7.2015 г.</a:t>
             </a:fld>
             <a:endParaRPr lang="bg-BG"/>
           </a:p>
@@ -6984,17 +6984,7 @@
                   </a:schemeClr>
                 </a:solidFill>
               </a:rPr>
-              <a:t>като използвате елементи по избор(таблици, дивове, секции и т.н</a:t>
-            </a:r>
-            <a:r>
-              <a:rPr lang="bg-BG" sz="2000" dirty="0" smtClean="0">
-                <a:solidFill>
-                  <a:schemeClr val="bg1">
-                    <a:lumMod val="95000"/>
-                  </a:schemeClr>
-                </a:solidFill>
-              </a:rPr>
-              <a:t>.)</a:t>
+              <a:t>като използвате елементи по избор(таблици, дивове, секции и т.н.)</a:t>
             </a:r>
           </a:p>
           <a:p>
@@ -7082,76 +7072,86 @@
                   </a:schemeClr>
                 </a:solidFill>
               </a:rPr>
-              <a:t>Създайте страница-плейър, подобна на тази във файла </a:t>
-            </a:r>
-            <a:r>
-              <a:rPr lang="en-US" sz="2000" dirty="0" smtClean="0">
+              <a:t>Създайте </a:t>
+            </a:r>
+            <a:r>
+              <a:rPr lang="bg-BG" sz="2000" dirty="0" smtClean="0">
                 <a:solidFill>
                   <a:schemeClr val="bg1">
                     <a:lumMod val="95000"/>
                   </a:schemeClr>
                 </a:solidFill>
               </a:rPr>
-              <a:t>04-CSS-Tasks</a:t>
-            </a:r>
-            <a:r>
-              <a:rPr lang="bg-BG" sz="2000" dirty="0" smtClean="0">
+              <a:t>страница-плейър, подобна на тази във файла </a:t>
+            </a:r>
+            <a:r>
+              <a:rPr lang="en-US" sz="2000" dirty="0" smtClean="0">
                 <a:solidFill>
                   <a:schemeClr val="bg1">
                     <a:lumMod val="95000"/>
                   </a:schemeClr>
                 </a:solidFill>
               </a:rPr>
-              <a:t>/</a:t>
-            </a:r>
-            <a:r>
-              <a:rPr lang="en-US" sz="2000" dirty="0" smtClean="0">
+              <a:t>04-CSS-Tasks</a:t>
+            </a:r>
+            <a:r>
+              <a:rPr lang="bg-BG" sz="2000" dirty="0" smtClean="0">
                 <a:solidFill>
                   <a:schemeClr val="bg1">
                     <a:lumMod val="95000"/>
                   </a:schemeClr>
                 </a:solidFill>
               </a:rPr>
-              <a:t>task</a:t>
-            </a:r>
-            <a:r>
-              <a:rPr lang="bg-BG" sz="2000" dirty="0" smtClean="0">
+              <a:t>/</a:t>
+            </a:r>
+            <a:r>
+              <a:rPr lang="en-US" sz="2000" dirty="0" smtClean="0">
                 <a:solidFill>
                   <a:schemeClr val="bg1">
                     <a:lumMod val="95000"/>
                   </a:schemeClr>
                 </a:solidFill>
               </a:rPr>
-              <a:t>3.</a:t>
-            </a:r>
-            <a:r>
-              <a:rPr lang="en-US" sz="2000" dirty="0" err="1" smtClean="0">
+              <a:t>task</a:t>
+            </a:r>
+            <a:r>
+              <a:rPr lang="bg-BG" sz="2000" dirty="0" smtClean="0">
                 <a:solidFill>
                   <a:schemeClr val="bg1">
                     <a:lumMod val="95000"/>
                   </a:schemeClr>
                 </a:solidFill>
               </a:rPr>
-              <a:t>png</a:t>
-            </a:r>
-            <a:r>
-              <a:rPr lang="en-US" sz="2000" dirty="0" smtClean="0">
+              <a:t>3.</a:t>
+            </a:r>
+            <a:r>
+              <a:rPr lang="en-US" sz="2000" dirty="0" err="1" smtClean="0">
                 <a:solidFill>
                   <a:schemeClr val="bg1">
                     <a:lumMod val="95000"/>
                   </a:schemeClr>
                 </a:solidFill>
               </a:rPr>
-              <a:t>, </a:t>
-            </a:r>
-            <a:r>
-              <a:rPr lang="bg-BG" sz="2000" dirty="0" smtClean="0">
+              <a:t>png</a:t>
+            </a:r>
+            <a:r>
+              <a:rPr lang="en-US" sz="2000" dirty="0" smtClean="0">
                 <a:solidFill>
                   <a:schemeClr val="bg1">
                     <a:lumMod val="95000"/>
                   </a:schemeClr>
                 </a:solidFill>
               </a:rPr>
+              <a:t>, </a:t>
+            </a:r>
+            <a:r>
+              <a:rPr lang="bg-BG" sz="2000" dirty="0" smtClean="0">
+                <a:solidFill>
+                  <a:schemeClr val="bg1">
+                    <a:lumMod val="95000"/>
+                  </a:schemeClr>
+                </a:solidFill>
+              </a:rPr>
               <a:t>като плейърът трябва да бъде функционален</a:t>
             </a:r>
           </a:p>
@@ -7168,98 +7168,104 @@
                   </a:schemeClr>
                 </a:solidFill>
               </a:rPr>
-              <a:t>Създайте </a:t>
-            </a:r>
-            <a:r>
-              <a:rPr lang="bg-BG" sz="2000" dirty="0" smtClean="0">
+              <a:t>Създайте страница-</a:t>
+            </a:r>
+            <a:r>
+              <a:rPr lang="en-US" sz="2000" dirty="0" smtClean="0">
                 <a:solidFill>
                   <a:schemeClr val="bg1">
                     <a:lumMod val="95000"/>
                   </a:schemeClr>
                 </a:solidFill>
               </a:rPr>
-              <a:t>страница-</a:t>
-            </a:r>
-            <a:r>
-              <a:rPr lang="en-US" sz="2000" dirty="0" smtClean="0">
+              <a:t>reminder</a:t>
+            </a:r>
+            <a:r>
+              <a:rPr lang="bg-BG" sz="2000" dirty="0" smtClean="0">
                 <a:solidFill>
                   <a:schemeClr val="bg1">
                     <a:lumMod val="95000"/>
                   </a:schemeClr>
                 </a:solidFill>
               </a:rPr>
-              <a:t>reminder</a:t>
-            </a:r>
-            <a:r>
-              <a:rPr lang="bg-BG" sz="2000" dirty="0" smtClean="0">
+              <a:t>, </a:t>
+            </a:r>
+            <a:r>
+              <a:rPr lang="bg-BG" sz="2000" dirty="0">
                 <a:solidFill>
                   <a:schemeClr val="bg1">
                     <a:lumMod val="95000"/>
                   </a:schemeClr>
                 </a:solidFill>
               </a:rPr>
-              <a:t>, </a:t>
-            </a:r>
-            <a:r>
-              <a:rPr lang="bg-BG" sz="2000" dirty="0">
+              <a:t>подобна на тази във файла </a:t>
+            </a:r>
+            <a:r>
+              <a:rPr lang="en-US" sz="2000" dirty="0">
                 <a:solidFill>
                   <a:schemeClr val="bg1">
                     <a:lumMod val="95000"/>
                   </a:schemeClr>
                 </a:solidFill>
               </a:rPr>
-              <a:t>подобна на тази във файла </a:t>
-            </a:r>
-            <a:r>
-              <a:rPr lang="en-US" sz="2000" dirty="0">
+              <a:t>04-CSS-Tasks</a:t>
+            </a:r>
+            <a:r>
+              <a:rPr lang="bg-BG" sz="2000" dirty="0">
                 <a:solidFill>
                   <a:schemeClr val="bg1">
                     <a:lumMod val="95000"/>
                   </a:schemeClr>
                 </a:solidFill>
               </a:rPr>
-              <a:t>04-CSS-Tasks</a:t>
-            </a:r>
-            <a:r>
-              <a:rPr lang="bg-BG" sz="2000" dirty="0">
+              <a:t>/</a:t>
+            </a:r>
+            <a:r>
+              <a:rPr lang="en-US" sz="2000" dirty="0" smtClean="0">
                 <a:solidFill>
                   <a:schemeClr val="bg1">
                     <a:lumMod val="95000"/>
                   </a:schemeClr>
                 </a:solidFill>
               </a:rPr>
-              <a:t>/</a:t>
-            </a:r>
-            <a:r>
-              <a:rPr lang="en-US" sz="2000" dirty="0" smtClean="0">
+              <a:t>task</a:t>
+            </a:r>
+            <a:r>
+              <a:rPr lang="bg-BG" sz="2000" dirty="0" smtClean="0">
                 <a:solidFill>
                   <a:schemeClr val="bg1">
                     <a:lumMod val="95000"/>
                   </a:schemeClr>
                 </a:solidFill>
               </a:rPr>
-              <a:t>task</a:t>
-            </a:r>
-            <a:r>
-              <a:rPr lang="bg-BG" sz="2000" dirty="0" smtClean="0">
+              <a:t>4.</a:t>
+            </a:r>
+            <a:r>
+              <a:rPr lang="en-US" sz="2000" dirty="0" err="1" smtClean="0">
                 <a:solidFill>
                   <a:schemeClr val="bg1">
                     <a:lumMod val="95000"/>
                   </a:schemeClr>
                 </a:solidFill>
               </a:rPr>
-              <a:t>4.</a:t>
-            </a:r>
-            <a:r>
-              <a:rPr lang="en-US" sz="2000" dirty="0" err="1" smtClean="0">
+              <a:t>png</a:t>
+            </a:r>
+            <a:r>
+              <a:rPr lang="bg-BG" sz="2000" dirty="0" smtClean="0">
                 <a:solidFill>
                   <a:schemeClr val="bg1">
                     <a:lumMod val="95000"/>
                   </a:schemeClr>
                 </a:solidFill>
               </a:rPr>
-              <a:t>png</a:t>
-            </a:r>
+              <a:t>, като приложите наученото за позициониране</a:t>
+            </a:r>
+          </a:p>
+          <a:p>
+            <a:pPr marL="457200" indent="-457200">
+              <a:buFont typeface="Arial" panose="020B0604020202020204" pitchFamily="34" charset="0"/>
+              <a:buAutoNum type="arabicPeriod"/>
+            </a:pPr>
             <a:r>
               <a:rPr lang="bg-BG" sz="2000" dirty="0" smtClean="0">
                 <a:solidFill>
@@ -7268,173 +7274,147 @@
                   </a:schemeClr>
                 </a:solidFill>
               </a:rPr>
-              <a:t>, като приложите наученото за позициониране</a:t>
-            </a:r>
-          </a:p>
-          <a:p>
-            <a:pPr marL="457200" indent="-457200">
-              <a:buFont typeface="Arial" panose="020B0604020202020204" pitchFamily="34" charset="0"/>
-              <a:buAutoNum type="arabicPeriod"/>
-            </a:pPr>
-            <a:r>
-              <a:rPr lang="bg-BG" sz="2000" dirty="0" smtClean="0">
+              <a:t>Създайте страница-калкулатор, подобна на тази във файла </a:t>
+            </a:r>
+            <a:r>
+              <a:rPr lang="en-US" sz="2000" dirty="0" smtClean="0">
                 <a:solidFill>
                   <a:schemeClr val="bg1">
                     <a:lumMod val="95000"/>
                   </a:schemeClr>
                 </a:solidFill>
               </a:rPr>
-              <a:t>Създайте страница-калкулатор, подобна на тази във файла </a:t>
-            </a:r>
-            <a:r>
-              <a:rPr lang="en-US" sz="2000" dirty="0" smtClean="0">
+              <a:t>04-CSS-Tasks</a:t>
+            </a:r>
+            <a:r>
+              <a:rPr lang="bg-BG" sz="2000" dirty="0" smtClean="0">
                 <a:solidFill>
                   <a:schemeClr val="bg1">
                     <a:lumMod val="95000"/>
                   </a:schemeClr>
                 </a:solidFill>
               </a:rPr>
-              <a:t>04-CSS-Tasks</a:t>
-            </a:r>
-            <a:r>
-              <a:rPr lang="bg-BG" sz="2000" dirty="0" smtClean="0">
+              <a:t>/</a:t>
+            </a:r>
+            <a:r>
+              <a:rPr lang="en-US" sz="2000" dirty="0" smtClean="0">
                 <a:solidFill>
                   <a:schemeClr val="bg1">
                     <a:lumMod val="95000"/>
                   </a:schemeClr>
                 </a:solidFill>
               </a:rPr>
-              <a:t>/</a:t>
-            </a:r>
-            <a:r>
-              <a:rPr lang="en-US" sz="2000" dirty="0" smtClean="0">
+              <a:t>task</a:t>
+            </a:r>
+            <a:r>
+              <a:rPr lang="bg-BG" sz="2000" dirty="0" smtClean="0">
                 <a:solidFill>
                   <a:schemeClr val="bg1">
                     <a:lumMod val="95000"/>
                   </a:schemeClr>
                 </a:solidFill>
               </a:rPr>
-              <a:t>task</a:t>
-            </a:r>
-            <a:r>
-              <a:rPr lang="bg-BG" sz="2000" dirty="0" smtClean="0">
+              <a:t>5.</a:t>
+            </a:r>
+            <a:r>
+              <a:rPr lang="en-US" sz="2000" dirty="0" err="1" smtClean="0">
                 <a:solidFill>
                   <a:schemeClr val="bg1">
                     <a:lumMod val="95000"/>
                   </a:schemeClr>
                 </a:solidFill>
               </a:rPr>
-              <a:t>5.</a:t>
-            </a:r>
-            <a:r>
-              <a:rPr lang="en-US" sz="2000" dirty="0" err="1" smtClean="0">
+              <a:t>png</a:t>
+            </a:r>
+            <a:r>
+              <a:rPr lang="bg-BG" sz="2000" dirty="0" smtClean="0">
                 <a:solidFill>
                   <a:schemeClr val="bg1">
                     <a:lumMod val="95000"/>
                   </a:schemeClr>
                 </a:solidFill>
               </a:rPr>
-              <a:t>png</a:t>
-            </a:r>
-            <a:r>
-              <a:rPr lang="bg-BG" sz="2000" dirty="0" smtClean="0">
+              <a:t>. </a:t>
+            </a:r>
+            <a:r>
+              <a:rPr lang="en-US" sz="2000" dirty="0">
                 <a:solidFill>
                   <a:schemeClr val="bg1">
                     <a:lumMod val="95000"/>
                   </a:schemeClr>
                 </a:solidFill>
               </a:rPr>
-              <a:t>. </a:t>
-            </a:r>
-            <a:r>
-              <a:rPr lang="en-US" sz="2000" dirty="0">
+              <a:t>	</a:t>
+            </a:r>
+            <a:r>
+              <a:rPr lang="en-US" sz="2000" dirty="0" smtClean="0">
                 <a:solidFill>
                   <a:schemeClr val="bg1">
                     <a:lumMod val="95000"/>
                   </a:schemeClr>
                 </a:solidFill>
               </a:rPr>
-              <a:t>	</a:t>
-            </a:r>
-            <a:r>
-              <a:rPr lang="en-US" sz="2000" dirty="0" smtClean="0">
+              <a:t>					</a:t>
+            </a:r>
+            <a:r>
+              <a:rPr lang="bg-BG" sz="2000" dirty="0" smtClean="0">
                 <a:solidFill>
                   <a:schemeClr val="bg1">
                     <a:lumMod val="95000"/>
                   </a:schemeClr>
                 </a:solidFill>
               </a:rPr>
-              <a:t>					</a:t>
-            </a:r>
-            <a:r>
-              <a:rPr lang="bg-BG" sz="2000" dirty="0" smtClean="0">
+              <a:t>*</a:t>
+            </a:r>
+            <a:r>
+              <a:rPr lang="en-US" sz="2000" dirty="0" smtClean="0">
                 <a:solidFill>
                   <a:schemeClr val="bg1">
                     <a:lumMod val="95000"/>
                   </a:schemeClr>
                 </a:solidFill>
               </a:rPr>
-              <a:t>*</a:t>
-            </a:r>
-            <a:r>
-              <a:rPr lang="en-US" sz="2000" dirty="0" smtClean="0">
+              <a:t>hint: </a:t>
+            </a:r>
+            <a:r>
+              <a:rPr lang="bg-BG" sz="2000" dirty="0" smtClean="0">
                 <a:solidFill>
                   <a:schemeClr val="bg1">
                     <a:lumMod val="95000"/>
                   </a:schemeClr>
                 </a:solidFill>
               </a:rPr>
-              <a:t>hint: </a:t>
-            </a:r>
-            <a:r>
-              <a:rPr lang="bg-BG" sz="2000" dirty="0" smtClean="0">
+              <a:t>бутоните са елементи </a:t>
+            </a:r>
+            <a:r>
+              <a:rPr lang="en-US" sz="2000" dirty="0" smtClean="0">
                 <a:solidFill>
                   <a:schemeClr val="bg1">
                     <a:lumMod val="95000"/>
                   </a:schemeClr>
                 </a:solidFill>
               </a:rPr>
-              <a:t>бутоните са елементи </a:t>
-            </a:r>
-            <a:r>
-              <a:rPr lang="en-US" sz="2000" dirty="0" smtClean="0">
+              <a:t>&lt;button&gt; </a:t>
+            </a:r>
+            <a:r>
+              <a:rPr lang="bg-BG" sz="2000" dirty="0" smtClean="0">
                 <a:solidFill>
                   <a:schemeClr val="bg1">
                     <a:lumMod val="95000"/>
                   </a:schemeClr>
                 </a:solidFill>
               </a:rPr>
-              <a:t>&lt;button&gt; </a:t>
-            </a:r>
-            <a:r>
-              <a:rPr lang="bg-BG" sz="2000" dirty="0" smtClean="0">
+              <a:t>или </a:t>
+            </a:r>
+            <a:r>
+              <a:rPr lang="en-US" sz="2000" dirty="0" smtClean="0">
                 <a:solidFill>
                   <a:schemeClr val="bg1">
                     <a:lumMod val="95000"/>
                   </a:schemeClr>
                 </a:solidFill>
               </a:rPr>
-              <a:t>или </a:t>
-            </a:r>
-            <a:r>
-              <a:rPr lang="en-US" sz="2000" dirty="0" smtClean="0">
-                <a:solidFill>
-                  <a:schemeClr val="bg1">
-                    <a:lumMod val="95000"/>
-                  </a:schemeClr>
-                </a:solidFill>
-              </a:rPr>
-              <a:t>&lt;input type=“button</a:t>
-            </a:r>
-            <a:r>
-              <a:rPr lang="en-US" sz="2000" dirty="0" smtClean="0">
-                <a:solidFill>
-                  <a:schemeClr val="bg1">
-                    <a:lumMod val="95000"/>
-                  </a:schemeClr>
-                </a:solidFill>
-              </a:rPr>
-              <a:t>”&gt;</a:t>
+              <a:t>&lt;input type=“button”&gt;</a:t>
             </a:r>
             <a:endParaRPr lang="bg-BG" sz="2000" dirty="0" smtClean="0">
               <a:solidFill>
